--- a/천리안적인정경주의혜안.pptx
+++ b/천리안적인정경주의혜안.pptx
@@ -6443,15 +6443,23 @@
             </a:r>
             <a:r>
               <a:rPr kumimoji="1" lang="ko-KR" altLang="en-US" sz="2400" dirty="0"/>
-              <a:t> 터보 </a:t>
-            </a:r>
-            <a:r>
-              <a:rPr kumimoji="1" lang="ko-KR" altLang="en-US" sz="2400" dirty="0" err="1"/>
+              <a:t> </a:t>
+            </a:r>
+            <a:r>
+              <a:rPr kumimoji="1" lang="ko-KR" altLang="en-US" sz="2400" b="1" dirty="0"/>
+              <a:t>터보 </a:t>
+            </a:r>
+            <a:r>
+              <a:rPr kumimoji="1" lang="ko-KR" altLang="en-US" sz="2400" b="1" dirty="0" err="1"/>
               <a:t>디퍼</a:t>
             </a:r>
             <a:r>
-              <a:rPr kumimoji="1" lang="ko-KR" altLang="en-US" sz="2400" dirty="0"/>
-              <a:t> 무료로 제공되는 이걸로 </a:t>
+              <a:rPr kumimoji="1" lang="ko-KR" altLang="en-US" sz="2400" b="1" dirty="0"/>
+              <a:t> 무료로 제공</a:t>
+            </a:r>
+            <a:r>
+              <a:rPr kumimoji="1" lang="ko-KR" altLang="en-US" sz="2400" dirty="0"/>
+              <a:t>되는 이걸로 </a:t>
             </a:r>
             <a:r>
               <a:rPr kumimoji="1" lang="ko-KR" altLang="en-US" sz="2400" dirty="0" err="1"/>
@@ -6931,15 +6939,23 @@
             </a:r>
             <a:r>
               <a:rPr kumimoji="1" lang="ko-KR" altLang="en-US" dirty="0"/>
-              <a:t> 일종인 버퍼 오버리드로써 다른 메모리 영역에 쓰는 경우에는 버퍼 </a:t>
-            </a:r>
-            <a:r>
-              <a:rPr kumimoji="1" lang="ko-KR" altLang="en-US" dirty="0" err="1"/>
+              <a:t> 일종인 버퍼 오버리드로써 다른 메모리 영역에 쓰는 경우에는 </a:t>
+            </a:r>
+            <a:r>
+              <a:rPr kumimoji="1" lang="ko-KR" altLang="en-US" b="1" dirty="0"/>
+              <a:t>버퍼 </a:t>
+            </a:r>
+            <a:r>
+              <a:rPr kumimoji="1" lang="ko-KR" altLang="en-US" b="1" dirty="0" err="1"/>
               <a:t>오버플로가</a:t>
             </a:r>
             <a:r>
+              <a:rPr kumimoji="1" lang="ko-KR" altLang="en-US" b="1" dirty="0"/>
+              <a:t> 발생</a:t>
+            </a:r>
+            <a:r>
               <a:rPr kumimoji="1" lang="ko-KR" altLang="en-US" dirty="0"/>
-              <a:t> 발생한다</a:t>
+              <a:t>한다</a:t>
             </a:r>
             <a:r>
               <a:rPr kumimoji="1" lang="en-US" altLang="ko-KR" dirty="0"/>
@@ -7161,8 +7177,12 @@
           </a:p>
           <a:p>
             <a:r>
+              <a:rPr kumimoji="1" lang="ko-KR" altLang="en-US" sz="2400" b="1" dirty="0" err="1"/>
+              <a:t>청킹</a:t>
+            </a:r>
+            <a:r>
               <a:rPr kumimoji="1" lang="ko-KR" altLang="en-US" sz="2400" dirty="0" err="1"/>
-              <a:t>청킹이라는전문화된단어를쓰십시오라고전하고싶어요</a:t>
+              <a:t>이라는전문화된단어를쓰십시오라고전하고싶어요</a:t>
             </a:r>
             <a:r>
               <a:rPr kumimoji="1" lang="en-US" altLang="ko-KR" sz="2400" dirty="0"/>
@@ -8518,7 +8538,7 @@
               <a:t>텍스트끝날때는 </a:t>
             </a:r>
             <a:r>
-              <a:rPr kumimoji="1" lang="en-US" altLang="ko-KR" dirty="0"/>
+              <a:rPr kumimoji="1" lang="en-US" altLang="ko-KR" b="1" dirty="0"/>
               <a:t>EOT</a:t>
             </a:r>
             <a:r>
@@ -8958,19 +8978,19 @@
               <a:t> </a:t>
             </a:r>
             <a:r>
-              <a:rPr kumimoji="1" lang="ko-KR" altLang="en-US" dirty="0"/>
+              <a:rPr kumimoji="1" lang="ko-KR" altLang="en-US" u="sng" dirty="0"/>
               <a:t>필요하면 </a:t>
             </a:r>
             <a:r>
-              <a:rPr kumimoji="1" lang="ko-KR" altLang="en-US" dirty="0" err="1"/>
+              <a:rPr kumimoji="1" lang="ko-KR" altLang="en-US" u="sng" dirty="0" err="1"/>
               <a:t>보겠지</a:t>
             </a:r>
             <a:r>
-              <a:rPr kumimoji="1" lang="ko-KR" altLang="en-US" sz="2400" dirty="0" err="1"/>
+              <a:rPr kumimoji="1" lang="ko-KR" altLang="en-US" sz="2400" u="sng" dirty="0" err="1"/>
               <a:t>라고</a:t>
             </a:r>
             <a:r>
-              <a:rPr kumimoji="1" lang="ko-KR" altLang="en-US" sz="2400" dirty="0"/>
+              <a:rPr kumimoji="1" lang="ko-KR" altLang="en-US" sz="2400" u="sng" dirty="0"/>
               <a:t> 생각하세요</a:t>
             </a:r>
             <a:r>

--- a/천리안적인정경주의혜안.pptx
+++ b/천리안적인정경주의혜안.pptx
@@ -20,6 +20,7 @@
     <p:sldId id="284" r:id="rId14"/>
     <p:sldId id="285" r:id="rId15"/>
     <p:sldId id="286" r:id="rId16"/>
+    <p:sldId id="288" r:id="rId17"/>
   </p:sldIdLst>
   <p:sldSz cx="12192000" cy="6858000"/>
   <p:notesSz cx="6858000" cy="9144000"/>
@@ -6227,6 +6228,273 @@
 </p:sld>
 </file>
 
+<file path=ppt/slides/slide16.xml><?xml version="1.0" encoding="utf-8"?>
+<p:sld xmlns:a="http://schemas.openxmlformats.org/drawingml/2006/main" xmlns:r="http://schemas.openxmlformats.org/officeDocument/2006/relationships" xmlns:p="http://schemas.openxmlformats.org/presentationml/2006/main">
+  <p:cSld>
+    <p:spTree>
+      <p:nvGrpSpPr>
+        <p:cNvPr id="1" name=""/>
+        <p:cNvGrpSpPr/>
+        <p:nvPr/>
+      </p:nvGrpSpPr>
+      <p:grpSpPr>
+        <a:xfrm>
+          <a:off x="0" y="0"/>
+          <a:ext cx="0" cy="0"/>
+          <a:chOff x="0" y="0"/>
+          <a:chExt cx="0" cy="0"/>
+        </a:xfrm>
+      </p:grpSpPr>
+      <p:sp>
+        <p:nvSpPr>
+          <p:cNvPr id="2" name="제목 1">
+            <a:extLst>
+              <a:ext uri="{FF2B5EF4-FFF2-40B4-BE49-F238E27FC236}">
+                <a16:creationId xmlns:a16="http://schemas.microsoft.com/office/drawing/2014/main" id="{BCA60426-2F3E-A445-B8AD-5CA197F4F54D}"/>
+              </a:ext>
+            </a:extLst>
+          </p:cNvPr>
+          <p:cNvSpPr>
+            <a:spLocks noGrp="1"/>
+          </p:cNvSpPr>
+          <p:nvPr>
+            <p:ph type="title"/>
+          </p:nvPr>
+        </p:nvSpPr>
+        <p:spPr/>
+        <p:txBody>
+          <a:bodyPr/>
+          <a:lstStyle/>
+          <a:p>
+            <a:r>
+              <a:rPr kumimoji="1" lang="ko-KR" altLang="en-US" dirty="0"/>
+              <a:t>해킹의 요점</a:t>
+            </a:r>
+          </a:p>
+        </p:txBody>
+      </p:sp>
+      <p:sp>
+        <p:nvSpPr>
+          <p:cNvPr id="3" name="내용 개체 틀 2">
+            <a:extLst>
+              <a:ext uri="{FF2B5EF4-FFF2-40B4-BE49-F238E27FC236}">
+                <a16:creationId xmlns:a16="http://schemas.microsoft.com/office/drawing/2014/main" id="{DB93F305-4419-004C-A765-C1B544046EEC}"/>
+              </a:ext>
+            </a:extLst>
+          </p:cNvPr>
+          <p:cNvSpPr>
+            <a:spLocks noGrp="1"/>
+          </p:cNvSpPr>
+          <p:nvPr>
+            <p:ph idx="1"/>
+          </p:nvPr>
+        </p:nvSpPr>
+        <p:spPr/>
+        <p:txBody>
+          <a:bodyPr>
+            <a:normAutofit fontScale="92500" lnSpcReduction="10000"/>
+          </a:bodyPr>
+          <a:lstStyle/>
+          <a:p>
+            <a:r>
+              <a:rPr kumimoji="1" lang="ko-KR" altLang="en-US" dirty="0" err="1"/>
+              <a:t>내정보가아닌정보를획득해시스템을네트웍로컬망</a:t>
+            </a:r>
+            <a:r>
+              <a:rPr kumimoji="1" lang="en-US" altLang="ko-KR" dirty="0"/>
+              <a:t>(</a:t>
+            </a:r>
+            <a:r>
+              <a:rPr kumimoji="1" lang="ko-KR" altLang="en-US" dirty="0" err="1"/>
+              <a:t>인터넷망이</a:t>
+            </a:r>
+            <a:r>
+              <a:rPr kumimoji="1" lang="ko-KR" altLang="en-US" dirty="0"/>
+              <a:t> 실제로는 </a:t>
+            </a:r>
+            <a:r>
+              <a:rPr kumimoji="1" lang="ko-KR" altLang="en-US" b="1" dirty="0"/>
+              <a:t>로컬 데이터베이스 망</a:t>
+            </a:r>
+            <a:r>
+              <a:rPr kumimoji="1" lang="ko-KR" altLang="en-US" dirty="0"/>
+              <a:t>입니다</a:t>
+            </a:r>
+            <a:r>
+              <a:rPr kumimoji="1" lang="en-US" altLang="ko-KR" dirty="0"/>
+              <a:t>)</a:t>
+            </a:r>
+            <a:r>
+              <a:rPr kumimoji="1" lang="ko-KR" altLang="en-US" dirty="0"/>
+              <a:t>을 해킹하는 방법을 찾아내어서 접속하지 않아도 해킹이 되는 줄 아는 경지를 </a:t>
+            </a:r>
+            <a:r>
+              <a:rPr kumimoji="1" lang="en-US" altLang="ko-KR" b="1" dirty="0"/>
+              <a:t>1</a:t>
+            </a:r>
+            <a:r>
+              <a:rPr kumimoji="1" lang="ko-KR" altLang="en-US" b="1" dirty="0"/>
+              <a:t>경지</a:t>
+            </a:r>
+            <a:r>
+              <a:rPr kumimoji="1" lang="ko-KR" altLang="en-US" dirty="0"/>
+              <a:t>라고 하고 최고수준의 해커라고 한다</a:t>
+            </a:r>
+            <a:r>
+              <a:rPr kumimoji="1" lang="en-US" altLang="ko-KR" dirty="0"/>
+              <a:t>. – </a:t>
+            </a:r>
+            <a:r>
+              <a:rPr kumimoji="1" lang="ko-KR" altLang="en-US" dirty="0"/>
+              <a:t>화이트 해커</a:t>
+            </a:r>
+            <a:endParaRPr kumimoji="1" lang="en-US" altLang="ko-KR" dirty="0"/>
+          </a:p>
+          <a:p>
+            <a:r>
+              <a:rPr kumimoji="1" lang="ko-KR" altLang="en-US" dirty="0"/>
+              <a:t>두 번째는 남이 만든 코드를 보고 </a:t>
+            </a:r>
+            <a:r>
+              <a:rPr kumimoji="1" lang="ko-KR" altLang="en-US" dirty="0" err="1"/>
+              <a:t>배껴서</a:t>
+            </a:r>
+            <a:r>
+              <a:rPr kumimoji="1" lang="ko-KR" altLang="en-US" dirty="0"/>
+              <a:t> 학습한 뒤에 </a:t>
+            </a:r>
+            <a:r>
+              <a:rPr kumimoji="1" lang="ko-KR" altLang="en-US" dirty="0" err="1"/>
+              <a:t>테스트만을</a:t>
+            </a:r>
+            <a:r>
+              <a:rPr kumimoji="1" lang="ko-KR" altLang="en-US" dirty="0"/>
+              <a:t> 해서 스크립트를 </a:t>
+            </a:r>
+            <a:r>
+              <a:rPr kumimoji="1" lang="ko-KR" altLang="en-US" dirty="0" err="1"/>
+              <a:t>동작시켜보듯이</a:t>
+            </a:r>
+            <a:r>
+              <a:rPr kumimoji="1" lang="ko-KR" altLang="en-US" dirty="0"/>
+              <a:t> 하는 해커를 </a:t>
+            </a:r>
+            <a:r>
+              <a:rPr kumimoji="1" lang="en-US" altLang="ko-KR" b="1" dirty="0"/>
+              <a:t>2</a:t>
+            </a:r>
+            <a:r>
+              <a:rPr kumimoji="1" lang="ko-KR" altLang="en-US" b="1" dirty="0"/>
+              <a:t>의 경지</a:t>
+            </a:r>
+            <a:r>
+              <a:rPr kumimoji="1" lang="ko-KR" altLang="en-US" dirty="0"/>
+              <a:t>라고 한다</a:t>
+            </a:r>
+            <a:r>
+              <a:rPr kumimoji="1" lang="en-US" altLang="ko-KR" dirty="0"/>
+              <a:t>.</a:t>
+            </a:r>
+          </a:p>
+          <a:p>
+            <a:r>
+              <a:rPr kumimoji="1" lang="ko-KR" altLang="en-US" dirty="0"/>
+              <a:t>세 번째는 </a:t>
+            </a:r>
+            <a:r>
+              <a:rPr kumimoji="1" lang="ko-KR" altLang="en-US" dirty="0" err="1"/>
+              <a:t>해킹툴을</a:t>
+            </a:r>
+            <a:r>
+              <a:rPr kumimoji="1" lang="ko-KR" altLang="en-US" dirty="0"/>
+              <a:t> 제작하는 경지로 </a:t>
+            </a:r>
+            <a:r>
+              <a:rPr kumimoji="1" lang="ko-KR" altLang="en-US" dirty="0" err="1"/>
+              <a:t>해킹툴을</a:t>
+            </a:r>
+            <a:r>
+              <a:rPr kumimoji="1" lang="ko-KR" altLang="en-US" dirty="0"/>
+              <a:t> 개발해서 여러 해커들에게 공유하는게 아니라 혼자만의 해킹 연습을 위한 시뮬레이터로 개발하는 자는 제 </a:t>
+            </a:r>
+            <a:r>
+              <a:rPr kumimoji="1" lang="en-US" altLang="ko-KR" b="1" dirty="0"/>
+              <a:t>0</a:t>
+            </a:r>
+            <a:r>
+              <a:rPr kumimoji="1" lang="ko-KR" altLang="en-US" b="1" dirty="0"/>
+              <a:t>의 </a:t>
+            </a:r>
+            <a:r>
+              <a:rPr kumimoji="1" lang="ko-KR" altLang="en-US" b="1" dirty="0" err="1"/>
+              <a:t>해커</a:t>
+            </a:r>
+            <a:r>
+              <a:rPr kumimoji="1" lang="ko-KR" altLang="en-US" dirty="0" err="1"/>
+              <a:t>라</a:t>
+            </a:r>
+            <a:r>
+              <a:rPr kumimoji="1" lang="ko-KR" altLang="en-US" dirty="0"/>
+              <a:t> 한다</a:t>
+            </a:r>
+            <a:r>
+              <a:rPr kumimoji="1" lang="en-US" altLang="ko-KR" dirty="0"/>
+              <a:t>.</a:t>
+            </a:r>
+          </a:p>
+          <a:p>
+            <a:endParaRPr kumimoji="1" lang="en-US" altLang="ko-KR" dirty="0"/>
+          </a:p>
+          <a:p>
+            <a:r>
+              <a:rPr kumimoji="1" lang="ko-KR" altLang="en-US" dirty="0" err="1"/>
+              <a:t>해킹툴</a:t>
+            </a:r>
+            <a:r>
+              <a:rPr kumimoji="1" lang="ko-KR" altLang="en-US" dirty="0"/>
+              <a:t> 개발 </a:t>
+            </a:r>
+            <a:r>
+              <a:rPr kumimoji="1" lang="en-US" altLang="ko-KR" dirty="0"/>
+              <a:t>-&gt; </a:t>
+            </a:r>
+            <a:r>
+              <a:rPr kumimoji="1" lang="ko-KR" altLang="en-US" dirty="0" err="1"/>
+              <a:t>인터넷망</a:t>
+            </a:r>
+            <a:r>
+              <a:rPr kumimoji="1" lang="ko-KR" altLang="en-US" dirty="0"/>
+              <a:t> 핵 </a:t>
+            </a:r>
+            <a:r>
+              <a:rPr kumimoji="1" lang="en-US" altLang="ko-KR" dirty="0"/>
+              <a:t>-&gt; </a:t>
+            </a:r>
+            <a:r>
+              <a:rPr kumimoji="1" lang="ko-KR" altLang="en-US" dirty="0"/>
+              <a:t>스크립트 </a:t>
+            </a:r>
+            <a:r>
+              <a:rPr kumimoji="1" lang="ko-KR" altLang="en-US" dirty="0" err="1"/>
+              <a:t>코더</a:t>
+            </a:r>
+            <a:endParaRPr kumimoji="1" lang="ko-KR" altLang="en-US" dirty="0"/>
+          </a:p>
+        </p:txBody>
+      </p:sp>
+    </p:spTree>
+    <p:extLst>
+      <p:ext uri="{BB962C8B-B14F-4D97-AF65-F5344CB8AC3E}">
+        <p14:creationId xmlns:p14="http://schemas.microsoft.com/office/powerpoint/2010/main" val="2690608968"/>
+      </p:ext>
+    </p:extLst>
+  </p:cSld>
+  <p:clrMapOvr>
+    <a:masterClrMapping/>
+  </p:clrMapOvr>
+</p:sld>
+</file>
+
 <file path=ppt/slides/slide2.xml><?xml version="1.0" encoding="utf-8"?>
 <p:sld xmlns:a="http://schemas.openxmlformats.org/drawingml/2006/main" xmlns:r="http://schemas.openxmlformats.org/officeDocument/2006/relationships" xmlns:p="http://schemas.openxmlformats.org/presentationml/2006/main">
   <p:cSld>
